--- a/session2/A-SQL_Intro_Navigating_DB.pptx
+++ b/session2/A-SQL_Intro_Navigating_DB.pptx
@@ -310,7 +310,7 @@
             <a:fld id="{0F6AC800-BF99-41BB-8DE5-8FC7E09D6C23}" type="datetimeFigureOut">
               <a:rPr lang="en-US" smtClean="0"/>
               <a:pPr/>
-              <a:t>2/21/2020</a:t>
+              <a:t>2/15/2023</a:t>
             </a:fld>
             <a:endParaRPr lang="en-US" dirty="0"/>
           </a:p>
@@ -806,7 +806,7 @@
           <a:p>
             <a:fld id="{5F4C8C79-FAFE-4D56-A4D5-361B65C3B3FA}" type="datetimeFigureOut">
               <a:rPr lang="en-US" smtClean="0"/>
-              <a:t>2/21/2020</a:t>
+              <a:t>2/15/2023</a:t>
             </a:fld>
             <a:endParaRPr lang="en-US"/>
           </a:p>
@@ -976,7 +976,7 @@
           <a:p>
             <a:fld id="{5F4C8C79-FAFE-4D56-A4D5-361B65C3B3FA}" type="datetimeFigureOut">
               <a:rPr lang="en-US" smtClean="0"/>
-              <a:t>2/21/2020</a:t>
+              <a:t>2/15/2023</a:t>
             </a:fld>
             <a:endParaRPr lang="en-US"/>
           </a:p>
@@ -1156,7 +1156,7 @@
           <a:p>
             <a:fld id="{5F4C8C79-FAFE-4D56-A4D5-361B65C3B3FA}" type="datetimeFigureOut">
               <a:rPr lang="en-US" smtClean="0"/>
-              <a:t>2/21/2020</a:t>
+              <a:t>2/15/2023</a:t>
             </a:fld>
             <a:endParaRPr lang="en-US"/>
           </a:p>
@@ -1357,7 +1357,7 @@
           <a:p>
             <a:fld id="{5F4C8C79-FAFE-4D56-A4D5-361B65C3B3FA}" type="datetimeFigureOut">
               <a:rPr lang="en-US" smtClean="0"/>
-              <a:t>2/21/2020</a:t>
+              <a:t>2/15/2023</a:t>
             </a:fld>
             <a:endParaRPr lang="en-US"/>
           </a:p>
@@ -1601,7 +1601,7 @@
           <a:p>
             <a:fld id="{5F4C8C79-FAFE-4D56-A4D5-361B65C3B3FA}" type="datetimeFigureOut">
               <a:rPr lang="en-US" smtClean="0"/>
-              <a:t>2/21/2020</a:t>
+              <a:t>2/15/2023</a:t>
             </a:fld>
             <a:endParaRPr lang="en-US"/>
           </a:p>
@@ -1833,7 +1833,7 @@
           <a:p>
             <a:fld id="{5F4C8C79-FAFE-4D56-A4D5-361B65C3B3FA}" type="datetimeFigureOut">
               <a:rPr lang="en-US" smtClean="0"/>
-              <a:t>2/21/2020</a:t>
+              <a:t>2/15/2023</a:t>
             </a:fld>
             <a:endParaRPr lang="en-US"/>
           </a:p>
@@ -2200,7 +2200,7 @@
           <a:p>
             <a:fld id="{5F4C8C79-FAFE-4D56-A4D5-361B65C3B3FA}" type="datetimeFigureOut">
               <a:rPr lang="en-US" smtClean="0"/>
-              <a:t>2/21/2020</a:t>
+              <a:t>2/15/2023</a:t>
             </a:fld>
             <a:endParaRPr lang="en-US"/>
           </a:p>
@@ -2318,7 +2318,7 @@
           <a:p>
             <a:fld id="{5F4C8C79-FAFE-4D56-A4D5-361B65C3B3FA}" type="datetimeFigureOut">
               <a:rPr lang="en-US" smtClean="0"/>
-              <a:t>2/21/2020</a:t>
+              <a:t>2/15/2023</a:t>
             </a:fld>
             <a:endParaRPr lang="en-US"/>
           </a:p>
@@ -2413,7 +2413,7 @@
           <a:p>
             <a:fld id="{5F4C8C79-FAFE-4D56-A4D5-361B65C3B3FA}" type="datetimeFigureOut">
               <a:rPr lang="en-US" smtClean="0"/>
-              <a:t>2/21/2020</a:t>
+              <a:t>2/15/2023</a:t>
             </a:fld>
             <a:endParaRPr lang="en-US"/>
           </a:p>
@@ -2690,7 +2690,7 @@
           <a:p>
             <a:fld id="{5F4C8C79-FAFE-4D56-A4D5-361B65C3B3FA}" type="datetimeFigureOut">
               <a:rPr lang="en-US" smtClean="0"/>
-              <a:t>2/21/2020</a:t>
+              <a:t>2/15/2023</a:t>
             </a:fld>
             <a:endParaRPr lang="en-US"/>
           </a:p>
@@ -2947,7 +2947,7 @@
           <a:p>
             <a:fld id="{5F4C8C79-FAFE-4D56-A4D5-361B65C3B3FA}" type="datetimeFigureOut">
               <a:rPr lang="en-US" smtClean="0"/>
-              <a:t>2/21/2020</a:t>
+              <a:t>2/15/2023</a:t>
             </a:fld>
             <a:endParaRPr lang="en-US"/>
           </a:p>
@@ -3160,7 +3160,7 @@
             <a:fld id="{5F4C8C79-FAFE-4D56-A4D5-361B65C3B3FA}" type="datetimeFigureOut">
               <a:rPr lang="en-US" smtClean="0"/>
               <a:pPr/>
-              <a:t>2/21/2020</a:t>
+              <a:t>2/15/2023</a:t>
             </a:fld>
             <a:endParaRPr lang="en-US" dirty="0"/>
           </a:p>
@@ -3640,7 +3640,7 @@
           </a:ln>
           <a:extLst>
             <a:ext uri="{C572A759-6A51-4108-AA02-DFA0A04FC94B}">
-              <ma14:wrappingTextBoxFlag xmlns:ma14="http://schemas.microsoft.com/office/mac/drawingml/2011/main" xmlns="" val="1"/>
+              <ma14:wrappingTextBoxFlag xmlns="" xmlns:ma14="http://schemas.microsoft.com/office/mac/drawingml/2011/main" val="1"/>
             </a:ext>
           </a:extLst>
         </p:spPr>
@@ -3701,7 +3701,7 @@
           </a:ln>
           <a:extLst>
             <a:ext uri="{C572A759-6A51-4108-AA02-DFA0A04FC94B}">
-              <ma14:wrappingTextBoxFlag xmlns:ma14="http://schemas.microsoft.com/office/mac/drawingml/2011/main" xmlns="" val="1"/>
+              <ma14:wrappingTextBoxFlag xmlns="" xmlns:ma14="http://schemas.microsoft.com/office/mac/drawingml/2011/main" val="1"/>
             </a:ext>
           </a:extLst>
         </p:spPr>
@@ -3907,7 +3907,7 @@
           </a:ln>
           <a:extLst>
             <a:ext uri="{C572A759-6A51-4108-AA02-DFA0A04FC94B}">
-              <ma14:wrappingTextBoxFlag xmlns:ma14="http://schemas.microsoft.com/office/mac/drawingml/2011/main" xmlns="" val="1"/>
+              <ma14:wrappingTextBoxFlag xmlns="" xmlns:ma14="http://schemas.microsoft.com/office/mac/drawingml/2011/main" val="1"/>
             </a:ext>
           </a:extLst>
         </p:spPr>
@@ -3968,7 +3968,7 @@
           </a:ln>
           <a:extLst>
             <a:ext uri="{C572A759-6A51-4108-AA02-DFA0A04FC94B}">
-              <ma14:wrappingTextBoxFlag xmlns:ma14="http://schemas.microsoft.com/office/mac/drawingml/2011/main" xmlns="" val="1"/>
+              <ma14:wrappingTextBoxFlag xmlns="" xmlns:ma14="http://schemas.microsoft.com/office/mac/drawingml/2011/main" val="1"/>
             </a:ext>
           </a:extLst>
         </p:spPr>
@@ -4371,30 +4371,6 @@
           <a:chExt cx="0" cy="0"/>
         </a:xfrm>
       </p:grpSpPr>
-      <p:pic>
-        <p:nvPicPr>
-          <p:cNvPr id="2" name="Picture 1"/>
-          <p:cNvPicPr>
-            <a:picLocks noChangeAspect="1"/>
-          </p:cNvPicPr>
-          <p:nvPr/>
-        </p:nvPicPr>
-        <p:blipFill>
-          <a:blip r:embed="rId2"/>
-          <a:stretch>
-            <a:fillRect/>
-          </a:stretch>
-        </p:blipFill>
-        <p:spPr>
-          <a:xfrm>
-            <a:off x="229723" y="789130"/>
-            <a:ext cx="8715375" cy="5762625"/>
-          </a:xfrm>
-          <a:prstGeom prst="rect">
-            <a:avLst/>
-          </a:prstGeom>
-        </p:spPr>
-      </p:pic>
       <p:sp>
         <p:nvSpPr>
           <p:cNvPr id="3" name="Shape 40"/>
@@ -4414,7 +4390,7 @@
           </a:ln>
           <a:extLst>
             <a:ext uri="{C572A759-6A51-4108-AA02-DFA0A04FC94B}">
-              <ma14:wrappingTextBoxFlag xmlns:ma14="http://schemas.microsoft.com/office/mac/drawingml/2011/main" xmlns="" val="1"/>
+              <ma14:wrappingTextBoxFlag xmlns="" xmlns:ma14="http://schemas.microsoft.com/office/mac/drawingml/2011/main" val="1"/>
             </a:ext>
           </a:extLst>
         </p:spPr>
@@ -4475,6 +4451,42 @@
           </a:p>
         </p:txBody>
       </p:sp>
+      <p:pic>
+        <p:nvPicPr>
+          <p:cNvPr id="5" name="Picture 4">
+            <a:extLst>
+              <a:ext uri="{FF2B5EF4-FFF2-40B4-BE49-F238E27FC236}">
+                <a16:creationId xmlns:a16="http://schemas.microsoft.com/office/drawing/2014/main" id="{8BDC9ADD-0BE4-2B52-45E7-D8E1979668D6}"/>
+              </a:ext>
+            </a:extLst>
+          </p:cNvPr>
+          <p:cNvPicPr>
+            <a:picLocks noChangeAspect="1"/>
+          </p:cNvPicPr>
+          <p:nvPr/>
+        </p:nvPicPr>
+        <p:blipFill>
+          <a:blip r:embed="rId2"/>
+          <a:stretch>
+            <a:fillRect/>
+          </a:stretch>
+        </p:blipFill>
+        <p:spPr>
+          <a:xfrm>
+            <a:off x="122167" y="691572"/>
+            <a:ext cx="8925711" cy="6018932"/>
+          </a:xfrm>
+          <a:prstGeom prst="rect">
+            <a:avLst/>
+          </a:prstGeom>
+          <a:ln>
+            <a:noFill/>
+          </a:ln>
+          <a:effectLst>
+            <a:softEdge rad="112500"/>
+          </a:effectLst>
+        </p:spPr>
+      </p:pic>
     </p:spTree>
     <p:extLst>
       <p:ext uri="{BB962C8B-B14F-4D97-AF65-F5344CB8AC3E}">
@@ -4525,7 +4537,7 @@
           </a:ln>
           <a:extLst>
             <a:ext uri="{C572A759-6A51-4108-AA02-DFA0A04FC94B}">
-              <ma14:wrappingTextBoxFlag xmlns:ma14="http://schemas.microsoft.com/office/mac/drawingml/2011/main" xmlns="" val="1"/>
+              <ma14:wrappingTextBoxFlag xmlns="" xmlns:ma14="http://schemas.microsoft.com/office/mac/drawingml/2011/main" val="1"/>
             </a:ext>
           </a:extLst>
         </p:spPr>
@@ -4666,7 +4678,7 @@
           </a:ln>
           <a:extLst>
             <a:ext uri="{C572A759-6A51-4108-AA02-DFA0A04FC94B}">
-              <ma14:wrappingTextBoxFlag xmlns:ma14="http://schemas.microsoft.com/office/mac/drawingml/2011/main" xmlns="" val="1"/>
+              <ma14:wrappingTextBoxFlag xmlns="" xmlns:ma14="http://schemas.microsoft.com/office/mac/drawingml/2011/main" val="1"/>
             </a:ext>
           </a:extLst>
         </p:spPr>
@@ -4735,7 +4747,7 @@
           </a:ln>
           <a:extLst>
             <a:ext uri="{C572A759-6A51-4108-AA02-DFA0A04FC94B}">
-              <ma14:wrappingTextBoxFlag xmlns:ma14="http://schemas.microsoft.com/office/mac/drawingml/2011/main" xmlns="" val="1"/>
+              <ma14:wrappingTextBoxFlag xmlns="" xmlns:ma14="http://schemas.microsoft.com/office/mac/drawingml/2011/main" val="1"/>
             </a:ext>
           </a:extLst>
         </p:spPr>
